--- a/file/PPT/BluePPT.pptx
+++ b/file/PPT/BluePPT.pptx
@@ -317,11 +317,11 @@
         </c:dLbls>
         <c:marker val="1"/>
         <c:smooth val="0"/>
-        <c:axId val="34799104"/>
-        <c:axId val="33577728"/>
+        <c:axId val="143548416"/>
+        <c:axId val="104281152"/>
       </c:lineChart>
       <c:catAx>
-        <c:axId val="34799104"/>
+        <c:axId val="143548416"/>
         <c:scaling>
           <c:orientation val="minMax"/>
         </c:scaling>
@@ -330,7 +330,7 @@
         <c:majorTickMark val="out"/>
         <c:minorTickMark val="none"/>
         <c:tickLblPos val="nextTo"/>
-        <c:crossAx val="33577728"/>
+        <c:crossAx val="104281152"/>
         <c:crosses val="autoZero"/>
         <c:auto val="1"/>
         <c:lblAlgn val="ctr"/>
@@ -338,7 +338,7 @@
         <c:noMultiLvlLbl val="0"/>
       </c:catAx>
       <c:valAx>
-        <c:axId val="33577728"/>
+        <c:axId val="104281152"/>
         <c:scaling>
           <c:orientation val="minMax"/>
         </c:scaling>
@@ -349,7 +349,7 @@
         <c:majorTickMark val="out"/>
         <c:minorTickMark val="none"/>
         <c:tickLblPos val="nextTo"/>
-        <c:crossAx val="34799104"/>
+        <c:crossAx val="143548416"/>
         <c:crosses val="autoZero"/>
         <c:crossBetween val="between"/>
       </c:valAx>
@@ -650,11 +650,11 @@
         </c:dLbls>
         <c:marker val="1"/>
         <c:smooth val="0"/>
-        <c:axId val="130592256"/>
-        <c:axId val="33596544"/>
+        <c:axId val="143992832"/>
+        <c:axId val="144051584"/>
       </c:lineChart>
       <c:catAx>
-        <c:axId val="130592256"/>
+        <c:axId val="143992832"/>
         <c:scaling>
           <c:orientation val="minMax"/>
         </c:scaling>
@@ -663,7 +663,7 @@
         <c:majorTickMark val="out"/>
         <c:minorTickMark val="none"/>
         <c:tickLblPos val="nextTo"/>
-        <c:crossAx val="33596544"/>
+        <c:crossAx val="144051584"/>
         <c:crosses val="autoZero"/>
         <c:auto val="1"/>
         <c:lblAlgn val="ctr"/>
@@ -671,7 +671,7 @@
         <c:noMultiLvlLbl val="0"/>
       </c:catAx>
       <c:valAx>
-        <c:axId val="33596544"/>
+        <c:axId val="144051584"/>
         <c:scaling>
           <c:orientation val="minMax"/>
         </c:scaling>
@@ -682,7 +682,7 @@
         <c:majorTickMark val="out"/>
         <c:minorTickMark val="none"/>
         <c:tickLblPos val="nextTo"/>
-        <c:crossAx val="130592256"/>
+        <c:crossAx val="143992832"/>
         <c:crosses val="autoZero"/>
         <c:crossBetween val="between"/>
       </c:valAx>
@@ -810,7 +810,6 @@
     </c:plotArea>
     <c:legend>
       <c:legendPos val="r"/>
-      <c:layout/>
       <c:overlay val="0"/>
     </c:legend>
     <c:plotVisOnly val="1"/>
@@ -983,11 +982,11 @@
         </c:dLbls>
         <c:marker val="1"/>
         <c:smooth val="0"/>
-        <c:axId val="142966784"/>
-        <c:axId val="33602304"/>
+        <c:axId val="144166400"/>
+        <c:axId val="74385664"/>
       </c:lineChart>
       <c:catAx>
-        <c:axId val="142966784"/>
+        <c:axId val="144166400"/>
         <c:scaling>
           <c:orientation val="minMax"/>
         </c:scaling>
@@ -996,7 +995,7 @@
         <c:majorTickMark val="out"/>
         <c:minorTickMark val="none"/>
         <c:tickLblPos val="nextTo"/>
-        <c:crossAx val="33602304"/>
+        <c:crossAx val="74385664"/>
         <c:crosses val="autoZero"/>
         <c:auto val="1"/>
         <c:lblAlgn val="ctr"/>
@@ -1004,7 +1003,7 @@
         <c:noMultiLvlLbl val="0"/>
       </c:catAx>
       <c:valAx>
-        <c:axId val="33602304"/>
+        <c:axId val="74385664"/>
         <c:scaling>
           <c:orientation val="minMax"/>
         </c:scaling>
@@ -1015,7 +1014,7 @@
         <c:majorTickMark val="out"/>
         <c:minorTickMark val="none"/>
         <c:tickLblPos val="nextTo"/>
-        <c:crossAx val="142966784"/>
+        <c:crossAx val="144166400"/>
         <c:crosses val="autoZero"/>
         <c:crossBetween val="between"/>
       </c:valAx>
@@ -1247,7 +1246,7 @@
           <a:p>
             <a:fld id="{B1AC4F1E-7C5C-4AF3-8078-9105627E20EC}" type="datetimeFigureOut">
               <a:rPr lang="ko-KR" altLang="en-US" smtClean="0"/>
-              <a:t>2019-05-08</a:t>
+              <a:t>2019-05-16</a:t>
             </a:fld>
             <a:endParaRPr lang="ko-KR" altLang="en-US"/>
           </a:p>
@@ -1901,7 +1900,7 @@
           <a:p>
             <a:fld id="{5461D8C1-8742-4899-8C54-88F14E68CB8A}" type="datetimeFigureOut">
               <a:rPr lang="ko-KR" altLang="en-US" smtClean="0"/>
-              <a:t>2019-05-08</a:t>
+              <a:t>2019-05-16</a:t>
             </a:fld>
             <a:endParaRPr lang="ko-KR" altLang="en-US"/>
           </a:p>
@@ -2214,7 +2213,7 @@
           <a:p>
             <a:fld id="{5461D8C1-8742-4899-8C54-88F14E68CB8A}" type="datetimeFigureOut">
               <a:rPr lang="ko-KR" altLang="en-US" smtClean="0"/>
-              <a:t>2019-05-08</a:t>
+              <a:t>2019-05-16</a:t>
             </a:fld>
             <a:endParaRPr lang="ko-KR" altLang="en-US"/>
           </a:p>
@@ -2399,7 +2398,7 @@
           <a:p>
             <a:fld id="{5461D8C1-8742-4899-8C54-88F14E68CB8A}" type="datetimeFigureOut">
               <a:rPr lang="ko-KR" altLang="en-US" smtClean="0"/>
-              <a:t>2019-05-08</a:t>
+              <a:t>2019-05-16</a:t>
             </a:fld>
             <a:endParaRPr lang="ko-KR" altLang="en-US"/>
           </a:p>
@@ -2574,7 +2573,7 @@
           <a:p>
             <a:fld id="{5461D8C1-8742-4899-8C54-88F14E68CB8A}" type="datetimeFigureOut">
               <a:rPr lang="ko-KR" altLang="en-US" smtClean="0"/>
-              <a:t>2019-05-08</a:t>
+              <a:t>2019-05-16</a:t>
             </a:fld>
             <a:endParaRPr lang="ko-KR" altLang="en-US"/>
           </a:p>
@@ -2842,7 +2841,7 @@
           <a:p>
             <a:fld id="{5461D8C1-8742-4899-8C54-88F14E68CB8A}" type="datetimeFigureOut">
               <a:rPr lang="ko-KR" altLang="en-US" smtClean="0"/>
-              <a:t>2019-05-08</a:t>
+              <a:t>2019-05-16</a:t>
             </a:fld>
             <a:endParaRPr lang="ko-KR" altLang="en-US"/>
           </a:p>
@@ -3310,7 +3309,7 @@
           <a:p>
             <a:fld id="{5461D8C1-8742-4899-8C54-88F14E68CB8A}" type="datetimeFigureOut">
               <a:rPr lang="ko-KR" altLang="en-US" smtClean="0"/>
-              <a:t>2019-05-08</a:t>
+              <a:t>2019-05-16</a:t>
             </a:fld>
             <a:endParaRPr lang="ko-KR" altLang="en-US"/>
           </a:p>
@@ -3799,7 +3798,7 @@
           <a:p>
             <a:fld id="{5461D8C1-8742-4899-8C54-88F14E68CB8A}" type="datetimeFigureOut">
               <a:rPr lang="ko-KR" altLang="en-US" smtClean="0"/>
-              <a:t>2019-05-08</a:t>
+              <a:t>2019-05-16</a:t>
             </a:fld>
             <a:endParaRPr lang="ko-KR" altLang="en-US"/>
           </a:p>
@@ -3925,7 +3924,7 @@
           <a:p>
             <a:fld id="{5461D8C1-8742-4899-8C54-88F14E68CB8A}" type="datetimeFigureOut">
               <a:rPr lang="ko-KR" altLang="en-US" smtClean="0"/>
-              <a:t>2019-05-08</a:t>
+              <a:t>2019-05-16</a:t>
             </a:fld>
             <a:endParaRPr lang="ko-KR" altLang="en-US"/>
           </a:p>
@@ -4069,7 +4068,7 @@
           <a:p>
             <a:fld id="{5461D8C1-8742-4899-8C54-88F14E68CB8A}" type="datetimeFigureOut">
               <a:rPr lang="ko-KR" altLang="en-US" smtClean="0"/>
-              <a:t>2019-05-08</a:t>
+              <a:t>2019-05-16</a:t>
             </a:fld>
             <a:endParaRPr lang="ko-KR" altLang="en-US"/>
           </a:p>
@@ -4391,7 +4390,7 @@
           <a:p>
             <a:fld id="{5461D8C1-8742-4899-8C54-88F14E68CB8A}" type="datetimeFigureOut">
               <a:rPr lang="ko-KR" altLang="en-US" smtClean="0"/>
-              <a:t>2019-05-08</a:t>
+              <a:t>2019-05-16</a:t>
             </a:fld>
             <a:endParaRPr lang="ko-KR" altLang="en-US"/>
           </a:p>
@@ -4525,7 +4524,7 @@
           <a:p>
             <a:fld id="{5461D8C1-8742-4899-8C54-88F14E68CB8A}" type="datetimeFigureOut">
               <a:rPr lang="ko-KR" altLang="en-US" smtClean="0"/>
-              <a:t>2019-05-08</a:t>
+              <a:t>2019-05-16</a:t>
             </a:fld>
             <a:endParaRPr lang="ko-KR" altLang="en-US"/>
           </a:p>
@@ -5306,7 +5305,7 @@
           <a:p>
             <a:fld id="{5461D8C1-8742-4899-8C54-88F14E68CB8A}" type="datetimeFigureOut">
               <a:rPr lang="ko-KR" altLang="en-US" smtClean="0"/>
-              <a:t>2019-05-08</a:t>
+              <a:t>2019-05-16</a:t>
             </a:fld>
             <a:endParaRPr lang="ko-KR" altLang="en-US"/>
           </a:p>
@@ -22343,7 +22342,7 @@
           <p:nvPr>
             <p:extLst>
               <p:ext uri="{D42A27DB-BD31-4B8C-83A1-F6EECF244321}">
-                <p14:modId xmlns:p14="http://schemas.microsoft.com/office/powerpoint/2010/main" val="2031403726"/>
+                <p14:modId xmlns:p14="http://schemas.microsoft.com/office/powerpoint/2010/main" val="1157926753"/>
               </p:ext>
             </p:extLst>
           </p:nvPr>
@@ -22926,20 +22925,20 @@
                         <a:defRPr/>
                       </a:pPr>
                       <a:r>
-                        <a:rPr lang="en-US" altLang="ko-KR" sz="1600" smtClean="0">
+                        <a:rPr lang="en-US" altLang="ko-KR" sz="1600" dirty="0" smtClean="0">
                           <a:solidFill>
                             <a:schemeClr val="tx1"/>
                           </a:solidFill>
                         </a:rPr>
-                        <a:t>(</a:t>
-                      </a:r>
-                      <a:r>
-                        <a:rPr lang="en-US" altLang="ko-KR" sz="1600" smtClean="0">
+                        <a:t>(DT)</a:t>
+                      </a:r>
+                      <a:r>
+                        <a:rPr lang="en-US" altLang="ko-KR" sz="1600" dirty="0" err="1" smtClean="0">
                           <a:solidFill>
                             <a:schemeClr val="tx1"/>
                           </a:solidFill>
                         </a:rPr>
-                        <a:t>DT)iDate</a:t>
+                        <a:t>iDate</a:t>
                       </a:r>
                       <a:endParaRPr lang="en-US" altLang="ko-KR" sz="1600" dirty="0" smtClean="0">
                         <a:solidFill>
@@ -23315,7 +23314,23 @@
                     <a:bodyPr/>
                     <a:lstStyle/>
                     <a:p>
-                      <a:pPr algn="ctr"/>
+                      <a:pPr marL="0" marR="0" indent="0" algn="ctr" defTabSz="914400" rtl="0" eaLnBrk="1" fontAlgn="auto" latinLnBrk="1" hangingPunct="1">
+                        <a:lnSpc>
+                          <a:spcPct val="100000"/>
+                        </a:lnSpc>
+                        <a:spcBef>
+                          <a:spcPts val="0"/>
+                        </a:spcBef>
+                        <a:spcAft>
+                          <a:spcPts val="0"/>
+                        </a:spcAft>
+                        <a:buClrTx/>
+                        <a:buSzTx/>
+                        <a:buFontTx/>
+                        <a:buNone/>
+                        <a:tabLst/>
+                        <a:defRPr/>
+                      </a:pPr>
                       <a:r>
                         <a:rPr lang="en-US" altLang="ko-KR" dirty="0" err="1" smtClean="0"/>
                         <a:t>iCode</a:t>
@@ -23324,6 +23339,42 @@
                         <a:rPr lang="en-US" altLang="ko-KR" dirty="0" smtClean="0"/>
                         <a:t> = </a:t>
                       </a:r>
+                      <a:endParaRPr lang="en-US" altLang="ko-KR" dirty="0" smtClean="0"/>
+                    </a:p>
+                    <a:p>
+                      <a:pPr marL="0" marR="0" indent="0" algn="ctr" defTabSz="914400" rtl="0" eaLnBrk="1" fontAlgn="auto" latinLnBrk="1" hangingPunct="1">
+                        <a:lnSpc>
+                          <a:spcPct val="100000"/>
+                        </a:lnSpc>
+                        <a:spcBef>
+                          <a:spcPts val="0"/>
+                        </a:spcBef>
+                        <a:spcAft>
+                          <a:spcPts val="0"/>
+                        </a:spcAft>
+                        <a:buClrTx/>
+                        <a:buSzTx/>
+                        <a:buFontTx/>
+                        <a:buNone/>
+                        <a:tabLst/>
+                        <a:defRPr/>
+                      </a:pPr>
+                      <a:r>
+                        <a:rPr lang="ko-KR" altLang="en-US" dirty="0" smtClean="0"/>
+                        <a:t>자동</a:t>
+                      </a:r>
+                      <a:r>
+                        <a:rPr lang="en-US" altLang="ko-KR" dirty="0" smtClean="0"/>
+                        <a:t>(5</a:t>
+                      </a:r>
+                      <a:r>
+                        <a:rPr lang="ko-KR" altLang="en-US" dirty="0" smtClean="0"/>
+                        <a:t>자리</a:t>
+                      </a:r>
+                      <a:r>
+                        <a:rPr lang="en-US" altLang="ko-KR" dirty="0" smtClean="0"/>
+                        <a:t>)+</a:t>
+                      </a:r>
                     </a:p>
                     <a:p>
                       <a:pPr algn="ctr"/>
@@ -23362,28 +23413,10 @@
                         <a:t>자리</a:t>
                       </a:r>
                       <a:r>
-                        <a:rPr lang="en-US" altLang="ko-KR" dirty="0" smtClean="0"/>
-                        <a:t>)+</a:t>
-                      </a:r>
-                    </a:p>
-                    <a:p>
-                      <a:pPr algn="ctr"/>
-                      <a:r>
-                        <a:rPr lang="ko-KR" altLang="en-US" dirty="0" smtClean="0"/>
-                        <a:t>자동</a:t>
-                      </a:r>
-                      <a:r>
-                        <a:rPr lang="en-US" altLang="ko-KR" dirty="0" smtClean="0"/>
-                        <a:t>(5</a:t>
-                      </a:r>
-                      <a:r>
-                        <a:rPr lang="ko-KR" altLang="en-US" dirty="0" smtClean="0"/>
-                        <a:t>자리</a:t>
-                      </a:r>
-                      <a:r>
-                        <a:rPr lang="en-US" altLang="ko-KR" dirty="0" smtClean="0"/>
+                        <a:rPr lang="en-US" altLang="ko-KR" smtClean="0"/>
                         <a:t>)</a:t>
                       </a:r>
+                      <a:endParaRPr lang="en-US" altLang="ko-KR" dirty="0" smtClean="0"/>
                     </a:p>
                   </a:txBody>
                   <a:tcPr anchor="ctr"/>
